--- a/doc/개발 계획/2020-4조_계획서 발표.pptx
+++ b/doc/개발 계획/2020-4조_계획서 발표.pptx
@@ -220,7 +220,7 @@
           <a:p>
             <a:fld id="{FD58835D-FE34-4E5C-BEC5-573E9B569D6A}" type="datetimeFigureOut">
               <a:rPr lang="ko-KR" altLang="en-US" smtClean="0"/>
-              <a:t>2020-03-25</a:t>
+              <a:t>2020-03-27</a:t>
             </a:fld>
             <a:endParaRPr lang="ko-KR" altLang="en-US"/>
           </a:p>
@@ -2025,7 +2025,7 @@
           <a:p>
             <a:fld id="{2AFE6DCD-4700-455A-AD6D-3C42515F5C57}" type="datetimeFigureOut">
               <a:rPr lang="ko-KR" altLang="en-US" smtClean="0"/>
-              <a:t>2020-03-25</a:t>
+              <a:t>2020-03-27</a:t>
             </a:fld>
             <a:endParaRPr lang="ko-KR" altLang="en-US"/>
           </a:p>
@@ -2193,7 +2193,7 @@
           <a:p>
             <a:fld id="{2AFE6DCD-4700-455A-AD6D-3C42515F5C57}" type="datetimeFigureOut">
               <a:rPr lang="ko-KR" altLang="en-US" smtClean="0"/>
-              <a:t>2020-03-25</a:t>
+              <a:t>2020-03-27</a:t>
             </a:fld>
             <a:endParaRPr lang="ko-KR" altLang="en-US"/>
           </a:p>
@@ -2371,7 +2371,7 @@
           <a:p>
             <a:fld id="{2AFE6DCD-4700-455A-AD6D-3C42515F5C57}" type="datetimeFigureOut">
               <a:rPr lang="ko-KR" altLang="en-US" smtClean="0"/>
-              <a:t>2020-03-25</a:t>
+              <a:t>2020-03-27</a:t>
             </a:fld>
             <a:endParaRPr lang="ko-KR" altLang="en-US"/>
           </a:p>
@@ -2539,7 +2539,7 @@
           <a:p>
             <a:fld id="{2AFE6DCD-4700-455A-AD6D-3C42515F5C57}" type="datetimeFigureOut">
               <a:rPr lang="ko-KR" altLang="en-US" smtClean="0"/>
-              <a:t>2020-03-25</a:t>
+              <a:t>2020-03-27</a:t>
             </a:fld>
             <a:endParaRPr lang="ko-KR" altLang="en-US"/>
           </a:p>
@@ -2784,7 +2784,7 @@
           <a:p>
             <a:fld id="{2AFE6DCD-4700-455A-AD6D-3C42515F5C57}" type="datetimeFigureOut">
               <a:rPr lang="ko-KR" altLang="en-US" smtClean="0"/>
-              <a:t>2020-03-25</a:t>
+              <a:t>2020-03-27</a:t>
             </a:fld>
             <a:endParaRPr lang="ko-KR" altLang="en-US"/>
           </a:p>
@@ -3013,7 +3013,7 @@
           <a:p>
             <a:fld id="{2AFE6DCD-4700-455A-AD6D-3C42515F5C57}" type="datetimeFigureOut">
               <a:rPr lang="ko-KR" altLang="en-US" smtClean="0"/>
-              <a:t>2020-03-25</a:t>
+              <a:t>2020-03-27</a:t>
             </a:fld>
             <a:endParaRPr lang="ko-KR" altLang="en-US"/>
           </a:p>
@@ -3377,7 +3377,7 @@
           <a:p>
             <a:fld id="{2AFE6DCD-4700-455A-AD6D-3C42515F5C57}" type="datetimeFigureOut">
               <a:rPr lang="ko-KR" altLang="en-US" smtClean="0"/>
-              <a:t>2020-03-25</a:t>
+              <a:t>2020-03-27</a:t>
             </a:fld>
             <a:endParaRPr lang="ko-KR" altLang="en-US"/>
           </a:p>
@@ -3494,7 +3494,7 @@
           <a:p>
             <a:fld id="{2AFE6DCD-4700-455A-AD6D-3C42515F5C57}" type="datetimeFigureOut">
               <a:rPr lang="ko-KR" altLang="en-US" smtClean="0"/>
-              <a:t>2020-03-25</a:t>
+              <a:t>2020-03-27</a:t>
             </a:fld>
             <a:endParaRPr lang="ko-KR" altLang="en-US"/>
           </a:p>
@@ -3589,7 +3589,7 @@
           <a:p>
             <a:fld id="{2AFE6DCD-4700-455A-AD6D-3C42515F5C57}" type="datetimeFigureOut">
               <a:rPr lang="ko-KR" altLang="en-US" smtClean="0"/>
-              <a:t>2020-03-25</a:t>
+              <a:t>2020-03-27</a:t>
             </a:fld>
             <a:endParaRPr lang="ko-KR" altLang="en-US"/>
           </a:p>
@@ -3864,7 +3864,7 @@
           <a:p>
             <a:fld id="{2AFE6DCD-4700-455A-AD6D-3C42515F5C57}" type="datetimeFigureOut">
               <a:rPr lang="ko-KR" altLang="en-US" smtClean="0"/>
-              <a:t>2020-03-25</a:t>
+              <a:t>2020-03-27</a:t>
             </a:fld>
             <a:endParaRPr lang="ko-KR" altLang="en-US"/>
           </a:p>
@@ -4116,7 +4116,7 @@
           <a:p>
             <a:fld id="{2AFE6DCD-4700-455A-AD6D-3C42515F5C57}" type="datetimeFigureOut">
               <a:rPr lang="ko-KR" altLang="en-US" smtClean="0"/>
-              <a:t>2020-03-25</a:t>
+              <a:t>2020-03-27</a:t>
             </a:fld>
             <a:endParaRPr lang="ko-KR" altLang="en-US"/>
           </a:p>
@@ -4327,7 +4327,7 @@
           <a:p>
             <a:fld id="{2AFE6DCD-4700-455A-AD6D-3C42515F5C57}" type="datetimeFigureOut">
               <a:rPr lang="ko-KR" altLang="en-US" smtClean="0"/>
-              <a:t>2020-03-25</a:t>
+              <a:t>2020-03-27</a:t>
             </a:fld>
             <a:endParaRPr lang="ko-KR" altLang="en-US"/>
           </a:p>
@@ -14556,22 +14556,7 @@
                     <a:srgbClr val="24292E"/>
                   </a:solidFill>
                 </a:rPr>
-                <a:t>STT (API, Kaldi Zeroth)</a:t>
-              </a:r>
-            </a:p>
-            <a:p>
-              <a:pPr marL="0" lvl="1" algn="ctr">
-                <a:lnSpc>
-                  <a:spcPct val="150000"/>
-                </a:lnSpc>
-              </a:pPr>
-              <a:r>
-                <a:rPr lang="en-US" altLang="ko-KR" sz="1100" b="1" spc="-100">
-                  <a:solidFill>
-                    <a:srgbClr val="24292E"/>
-                  </a:solidFill>
-                </a:rPr>
-                <a:t>FastText</a:t>
+                <a:t>STT , FastText</a:t>
               </a:r>
               <a:endParaRPr lang="en-US" altLang="ko-KR" sz="1100" b="1" spc="-100" dirty="0">
                 <a:solidFill>
@@ -16894,7 +16879,7 @@
               <a:rPr lang="ko-KR" altLang="en-US" sz="1400" b="1" spc="-100">
                 <a:latin typeface="+mn-ea"/>
               </a:rPr>
-              <a:t>유사도 판단</a:t>
+              <a:t>형태소 분석</a:t>
             </a:r>
           </a:p>
         </p:txBody>
@@ -16932,7 +16917,7 @@
               <a:rPr lang="ko-KR" altLang="en-US" sz="1400" b="1" spc="-100">
                 <a:latin typeface="+mn-ea"/>
               </a:rPr>
-              <a:t>음성 필터</a:t>
+              <a:t>유사도 판단</a:t>
             </a:r>
           </a:p>
         </p:txBody>
@@ -17498,7 +17483,7 @@
         </p:nvGrpSpPr>
         <p:grpSpPr>
           <a:xfrm>
-            <a:off x="1023355" y="2839775"/>
+            <a:off x="1142035" y="2777345"/>
             <a:ext cx="2362715" cy="1975009"/>
             <a:chOff x="1047633" y="2859060"/>
             <a:chExt cx="2362715" cy="1975009"/>
@@ -17661,10 +17646,10 @@
         </p:nvGrpSpPr>
         <p:grpSpPr>
           <a:xfrm>
-            <a:off x="7178013" y="2621277"/>
-            <a:ext cx="4092024" cy="2349579"/>
-            <a:chOff x="7178013" y="2621277"/>
-            <a:chExt cx="4092024" cy="2349579"/>
+            <a:off x="3529303" y="2652489"/>
+            <a:ext cx="4084400" cy="2162294"/>
+            <a:chOff x="7185637" y="2621277"/>
+            <a:chExt cx="4084400" cy="2162294"/>
           </a:xfrm>
         </p:grpSpPr>
         <p:grpSp>
@@ -17681,10 +17666,10 @@
           </p:nvGrpSpPr>
           <p:grpSpPr>
             <a:xfrm>
-              <a:off x="7178013" y="2621277"/>
-              <a:ext cx="4092024" cy="2349579"/>
-              <a:chOff x="7178013" y="2621277"/>
-              <a:chExt cx="4092024" cy="2349579"/>
+              <a:off x="7185637" y="2621277"/>
+              <a:ext cx="4084400" cy="2162294"/>
+              <a:chOff x="7185637" y="2621277"/>
+              <a:chExt cx="4084400" cy="2162294"/>
             </a:xfrm>
           </p:grpSpPr>
           <p:sp>
@@ -17702,7 +17687,7 @@
             <p:spPr>
               <a:xfrm>
                 <a:off x="8111195" y="2621277"/>
-                <a:ext cx="3158842" cy="2349579"/>
+                <a:ext cx="3158842" cy="2162294"/>
               </a:xfrm>
               <a:prstGeom prst="roundRect">
                 <a:avLst/>
@@ -17727,6 +17712,12 @@
               </a:p>
               <a:p>
                 <a:pPr algn="ctr"/>
+                <a:endParaRPr lang="en-US" altLang="ko-KR" sz="1100" b="1">
+                  <a:latin typeface="+mn-ea"/>
+                </a:endParaRPr>
+              </a:p>
+              <a:p>
+                <a:pPr algn="ctr"/>
                 <a:r>
                   <a:rPr lang="en-US" altLang="ko-KR" sz="1100" b="1">
                     <a:latin typeface="+mn-ea"/>
@@ -17738,24 +17729,6 @@
                     <a:latin typeface="+mn-ea"/>
                   </a:rPr>
                   <a:t> 적용하여 텍스트의 형태소 분석</a:t>
-                </a:r>
-                <a:endParaRPr lang="en-US" altLang="ko-KR" sz="1100" b="1">
-                  <a:latin typeface="+mn-ea"/>
-                </a:endParaRPr>
-              </a:p>
-              <a:p>
-                <a:pPr algn="ctr"/>
-                <a:endParaRPr lang="en-US" altLang="ko-KR" sz="1100" b="1">
-                  <a:latin typeface="+mn-ea"/>
-                </a:endParaRPr>
-              </a:p>
-              <a:p>
-                <a:pPr algn="ctr"/>
-                <a:r>
-                  <a:rPr lang="ko-KR" altLang="en-US" sz="1100" b="1">
-                    <a:latin typeface="+mn-ea"/>
-                  </a:rPr>
-                  <a:t>분석된 모든 형태소 중에서 욕설 필터</a:t>
                 </a:r>
                 <a:endParaRPr lang="en-US" altLang="ko-KR" sz="1100" b="1">
                   <a:latin typeface="+mn-ea"/>
@@ -17827,7 +17800,7 @@
             </p:nvCxnSpPr>
             <p:spPr>
               <a:xfrm flipV="1">
-                <a:off x="7178013" y="3827280"/>
+                <a:off x="7185637" y="3733637"/>
                 <a:ext cx="925558" cy="4"/>
               </a:xfrm>
               <a:prstGeom prst="straightConnector1">
@@ -17885,7 +17858,7 @@
           </p:blipFill>
           <p:spPr bwMode="auto">
             <a:xfrm>
-              <a:off x="9257587" y="3760504"/>
+              <a:off x="9260925" y="3566904"/>
               <a:ext cx="866057" cy="866057"/>
             </a:xfrm>
             <a:prstGeom prst="roundRect">
@@ -17909,10 +17882,10 @@
       </p:grpSp>
       <p:grpSp>
         <p:nvGrpSpPr>
-          <p:cNvPr id="10" name="그룹 9">
+          <p:cNvPr id="5" name="그룹 4">
             <a:extLst>
               <a:ext uri="{FF2B5EF4-FFF2-40B4-BE49-F238E27FC236}">
-                <a16:creationId xmlns:a16="http://schemas.microsoft.com/office/drawing/2014/main" id="{650A76BF-390C-40C0-898D-3B925921F74B}"/>
+                <a16:creationId xmlns:a16="http://schemas.microsoft.com/office/drawing/2014/main" id="{2C8A7331-000E-40B6-B048-2863E2C8E0FA}"/>
               </a:ext>
             </a:extLst>
           </p:cNvPr>
@@ -17921,272 +17894,206 @@
         </p:nvGrpSpPr>
         <p:grpSpPr>
           <a:xfrm>
-            <a:off x="3417972" y="1467525"/>
-            <a:ext cx="4186568" cy="3334950"/>
-            <a:chOff x="3417972" y="1467525"/>
-            <a:chExt cx="4186568" cy="3334950"/>
+            <a:off x="7630633" y="2652489"/>
+            <a:ext cx="3524709" cy="2162294"/>
+            <a:chOff x="7453748" y="2757294"/>
+            <a:chExt cx="3524709" cy="2162294"/>
           </a:xfrm>
         </p:grpSpPr>
-        <p:grpSp>
-          <p:nvGrpSpPr>
-            <p:cNvPr id="50" name="그룹 49">
+        <p:sp>
+          <p:nvSpPr>
+            <p:cNvPr id="34" name="TextBox 33">
               <a:extLst>
                 <a:ext uri="{FF2B5EF4-FFF2-40B4-BE49-F238E27FC236}">
-                  <a16:creationId xmlns:a16="http://schemas.microsoft.com/office/drawing/2014/main" id="{C30BFA34-DA48-41C6-9E50-403A2B3BE42D}"/>
+                  <a16:creationId xmlns:a16="http://schemas.microsoft.com/office/drawing/2014/main" id="{45B47616-1483-4F7D-B5DA-88DF589AAB73}"/>
                 </a:ext>
               </a:extLst>
             </p:cNvPr>
-            <p:cNvGrpSpPr/>
+            <p:cNvSpPr txBox="1"/>
             <p:nvPr/>
-          </p:nvGrpSpPr>
-          <p:grpSpPr>
+          </p:nvSpPr>
+          <p:spPr>
             <a:xfrm>
-              <a:off x="3417972" y="2640181"/>
-              <a:ext cx="3752418" cy="2162294"/>
-              <a:chOff x="3512635" y="2631304"/>
-              <a:chExt cx="3752418" cy="2162294"/>
+              <a:off x="8379306" y="2757294"/>
+              <a:ext cx="2599151" cy="2162294"/>
             </a:xfrm>
-          </p:grpSpPr>
-          <p:sp>
-            <p:nvSpPr>
-              <p:cNvPr id="34" name="TextBox 33">
-                <a:extLst>
-                  <a:ext uri="{FF2B5EF4-FFF2-40B4-BE49-F238E27FC236}">
-                    <a16:creationId xmlns:a16="http://schemas.microsoft.com/office/drawing/2014/main" id="{45B47616-1483-4F7D-B5DA-88DF589AAB73}"/>
-                  </a:ext>
-                </a:extLst>
-              </p:cNvPr>
-              <p:cNvSpPr txBox="1"/>
-              <p:nvPr/>
-            </p:nvSpPr>
-            <p:spPr>
-              <a:xfrm>
-                <a:off x="4665902" y="2631304"/>
-                <a:ext cx="2599151" cy="2162294"/>
-              </a:xfrm>
-              <a:prstGeom prst="roundRect">
-                <a:avLst>
-                  <a:gd name="adj" fmla="val 16667"/>
-                </a:avLst>
-              </a:prstGeom>
-              <a:noFill/>
-              <a:ln>
-                <a:solidFill>
-                  <a:schemeClr val="tx1"/>
-                </a:solidFill>
-              </a:ln>
-            </p:spPr>
-            <p:txBody>
-              <a:bodyPr wrap="square" rtlCol="0">
-                <a:spAutoFit/>
-              </a:bodyPr>
-              <a:lstStyle/>
-              <a:p>
-                <a:pPr algn="ctr"/>
-                <a:endParaRPr lang="en-US" altLang="ko-KR" sz="1100" b="1" spc="-100">
+            <a:prstGeom prst="roundRect">
+              <a:avLst>
+                <a:gd name="adj" fmla="val 16667"/>
+              </a:avLst>
+            </a:prstGeom>
+            <a:noFill/>
+            <a:ln>
+              <a:solidFill>
+                <a:schemeClr val="tx1"/>
+              </a:solidFill>
+            </a:ln>
+          </p:spPr>
+          <p:txBody>
+            <a:bodyPr wrap="square" rtlCol="0">
+              <a:spAutoFit/>
+            </a:bodyPr>
+            <a:lstStyle/>
+            <a:p>
+              <a:pPr algn="ctr"/>
+              <a:endParaRPr lang="en-US" altLang="ko-KR" sz="1100" b="1" spc="-100">
+                <a:latin typeface="+mn-ea"/>
+              </a:endParaRPr>
+            </a:p>
+            <a:p>
+              <a:pPr algn="ctr"/>
+              <a:r>
+                <a:rPr lang="ko-KR" altLang="en-US" sz="1100" b="1" spc="-100">
                   <a:latin typeface="+mn-ea"/>
-                </a:endParaRPr>
-              </a:p>
-              <a:p>
-                <a:pPr algn="ctr"/>
-                <a:r>
-                  <a:rPr lang="ko-KR" altLang="en-US" sz="1100" b="1" spc="-100">
-                    <a:latin typeface="+mn-ea"/>
-                  </a:rPr>
-                  <a:t>학습된 </a:t>
-                </a:r>
-                <a:r>
-                  <a:rPr lang="en-US" altLang="ko-KR" sz="1100" b="1" spc="-100">
-                    <a:latin typeface="+mn-ea"/>
-                  </a:rPr>
-                  <a:t>FastText model</a:t>
-                </a:r>
-                <a:r>
-                  <a:rPr lang="ko-KR" altLang="en-US" sz="1100" b="1" spc="-100">
-                    <a:latin typeface="+mn-ea"/>
-                  </a:rPr>
-                  <a:t>을 </a:t>
-                </a:r>
-                <a:endParaRPr lang="en-US" altLang="ko-KR" sz="1100" b="1" spc="-100">
+                </a:rPr>
+                <a:t>학습된 </a:t>
+              </a:r>
+              <a:r>
+                <a:rPr lang="en-US" altLang="ko-KR" sz="1100" b="1" spc="-100">
                   <a:latin typeface="+mn-ea"/>
-                </a:endParaRPr>
-              </a:p>
-              <a:p>
-                <a:pPr algn="ctr"/>
-                <a:endParaRPr lang="en-US" altLang="ko-KR" sz="1100" b="1" spc="-100">
+                </a:rPr>
+                <a:t>FastText model</a:t>
+              </a:r>
+              <a:r>
+                <a:rPr lang="ko-KR" altLang="en-US" sz="1100" b="1" spc="-100">
                   <a:latin typeface="+mn-ea"/>
-                </a:endParaRPr>
-              </a:p>
-              <a:p>
-                <a:pPr algn="ctr"/>
-                <a:r>
-                  <a:rPr lang="ko-KR" altLang="en-US" sz="1100" b="1" spc="-100">
-                    <a:latin typeface="+mn-ea"/>
-                  </a:rPr>
-                  <a:t>이용하여 문맥을 고려한</a:t>
-                </a:r>
-                <a:endParaRPr lang="en-US" altLang="ko-KR" sz="1100" b="1" spc="-100">
+                </a:rPr>
+                <a:t>을 </a:t>
+              </a:r>
+              <a:endParaRPr lang="en-US" altLang="ko-KR" sz="1100" b="1" spc="-100">
+                <a:latin typeface="+mn-ea"/>
+              </a:endParaRPr>
+            </a:p>
+            <a:p>
+              <a:pPr algn="ctr"/>
+              <a:endParaRPr lang="en-US" altLang="ko-KR" sz="1100" b="1" spc="-100">
+                <a:latin typeface="+mn-ea"/>
+              </a:endParaRPr>
+            </a:p>
+            <a:p>
+              <a:pPr algn="ctr"/>
+              <a:r>
+                <a:rPr lang="ko-KR" altLang="en-US" sz="1100" b="1" spc="-100">
                   <a:latin typeface="+mn-ea"/>
-                </a:endParaRPr>
-              </a:p>
-              <a:p>
-                <a:pPr algn="ctr"/>
-                <a:endParaRPr lang="en-US" altLang="ko-KR" sz="1100" b="1" spc="-100">
+                </a:rPr>
+                <a:t>이용하여 문맥을 고려한</a:t>
+              </a:r>
+              <a:endParaRPr lang="en-US" altLang="ko-KR" sz="1100" b="1" spc="-100">
+                <a:latin typeface="+mn-ea"/>
+              </a:endParaRPr>
+            </a:p>
+            <a:p>
+              <a:pPr algn="ctr"/>
+              <a:endParaRPr lang="en-US" altLang="ko-KR" sz="1100" b="1" spc="-100">
+                <a:latin typeface="+mn-ea"/>
+              </a:endParaRPr>
+            </a:p>
+            <a:p>
+              <a:pPr algn="ctr"/>
+              <a:r>
+                <a:rPr lang="ko-KR" altLang="en-US" sz="1100" b="1" spc="-100">
                   <a:latin typeface="+mn-ea"/>
-                </a:endParaRPr>
-              </a:p>
-              <a:p>
-                <a:pPr algn="ctr"/>
-                <a:r>
-                  <a:rPr lang="ko-KR" altLang="en-US" sz="1100" b="1" spc="-100">
-                    <a:latin typeface="+mn-ea"/>
-                  </a:rPr>
-                  <a:t>문장과 욕설의 유사도를 판단</a:t>
-                </a:r>
-                <a:endParaRPr lang="en-US" altLang="ko-KR" sz="1100" b="1" spc="-100">
-                  <a:latin typeface="+mn-ea"/>
-                </a:endParaRPr>
-              </a:p>
-              <a:p>
-                <a:pPr algn="ctr"/>
-                <a:endParaRPr lang="en-US" altLang="ko-KR" sz="1100" b="1" spc="-100">
-                  <a:latin typeface="+mn-ea"/>
-                </a:endParaRPr>
-              </a:p>
-              <a:p>
-                <a:pPr algn="ctr"/>
-                <a:endParaRPr lang="en-US" altLang="ko-KR" sz="1100" b="1" spc="-100">
-                  <a:latin typeface="+mn-ea"/>
-                </a:endParaRPr>
-              </a:p>
-              <a:p>
-                <a:pPr algn="ctr"/>
-                <a:endParaRPr lang="en-US" altLang="ko-KR" sz="1100" b="1" spc="-100">
-                  <a:latin typeface="+mn-ea"/>
-                </a:endParaRPr>
-              </a:p>
-              <a:p>
-                <a:pPr algn="ctr"/>
-                <a:endParaRPr lang="en-US" altLang="ko-KR" sz="1100" b="1" spc="-100">
-                  <a:latin typeface="+mn-ea"/>
-                </a:endParaRPr>
-              </a:p>
-              <a:p>
-                <a:pPr algn="ctr"/>
-                <a:endParaRPr lang="en-US" altLang="ko-KR" sz="1100" b="1" spc="-100">
-                  <a:latin typeface="+mn-ea"/>
-                </a:endParaRPr>
-              </a:p>
-            </p:txBody>
-          </p:sp>
-          <p:cxnSp>
-            <p:nvCxnSpPr>
-              <p:cNvPr id="35" name="직선 화살표 연결선 34">
-                <a:extLst>
-                  <a:ext uri="{FF2B5EF4-FFF2-40B4-BE49-F238E27FC236}">
-                    <a16:creationId xmlns:a16="http://schemas.microsoft.com/office/drawing/2014/main" id="{078FE13A-587E-450A-B229-12AF3563F871}"/>
-                  </a:ext>
-                </a:extLst>
-              </p:cNvPr>
-              <p:cNvCxnSpPr>
-                <a:cxnSpLocks/>
-              </p:cNvCxnSpPr>
-              <p:nvPr/>
-            </p:nvCxnSpPr>
-            <p:spPr>
-              <a:xfrm>
-                <a:off x="3512635" y="3818407"/>
-                <a:ext cx="1138019" cy="0"/>
-              </a:xfrm>
-              <a:prstGeom prst="straightConnector1">
-                <a:avLst/>
-              </a:prstGeom>
-              <a:ln>
-                <a:solidFill>
-                  <a:schemeClr val="tx1"/>
-                </a:solidFill>
-                <a:tailEnd type="triangle"/>
-              </a:ln>
-            </p:spPr>
-            <p:style>
-              <a:lnRef idx="1">
-                <a:schemeClr val="accent1"/>
-              </a:lnRef>
-              <a:fillRef idx="0">
-                <a:schemeClr val="accent1"/>
-              </a:fillRef>
-              <a:effectRef idx="0">
-                <a:schemeClr val="accent1"/>
-              </a:effectRef>
-              <a:fontRef idx="minor">
-                <a:schemeClr val="tx1"/>
-              </a:fontRef>
-            </p:style>
-          </p:cxnSp>
-          <p:pic>
-            <p:nvPicPr>
-              <p:cNvPr id="23" name="그림 22" descr="그리기, 표지판이(가) 표시된 사진&#10;&#10;자동 생성된 설명">
-                <a:extLst>
-                  <a:ext uri="{FF2B5EF4-FFF2-40B4-BE49-F238E27FC236}">
-                    <a16:creationId xmlns:a16="http://schemas.microsoft.com/office/drawing/2014/main" id="{08B4EA82-CEF5-46AB-A795-986B892B0F6F}"/>
-                  </a:ext>
-                </a:extLst>
-              </p:cNvPr>
-              <p:cNvPicPr>
-                <a:picLocks noChangeAspect="1"/>
-              </p:cNvPicPr>
-              <p:nvPr/>
-            </p:nvPicPr>
-            <p:blipFill>
-              <a:blip r:embed="rId10" cstate="hqprint">
-                <a:extLst>
-                  <a:ext uri="{28A0092B-C50C-407E-A947-70E740481C1C}">
-                    <a14:useLocalDpi xmlns:a14="http://schemas.microsoft.com/office/drawing/2010/main" val="0"/>
-                  </a:ext>
-                </a:extLst>
-              </a:blip>
-              <a:stretch>
-                <a:fillRect/>
-              </a:stretch>
-            </p:blipFill>
-            <p:spPr>
-              <a:xfrm>
-                <a:off x="5262355" y="4049370"/>
-                <a:ext cx="1406243" cy="323658"/>
-              </a:xfrm>
-              <a:prstGeom prst="rect">
-                <a:avLst/>
-              </a:prstGeom>
-            </p:spPr>
-          </p:pic>
-        </p:grpSp>
+                </a:rPr>
+                <a:t>형태소과 욕설의 유사도를 판단</a:t>
+              </a:r>
+              <a:endParaRPr lang="en-US" altLang="ko-KR" sz="1100" b="1" spc="-100">
+                <a:latin typeface="+mn-ea"/>
+              </a:endParaRPr>
+            </a:p>
+            <a:p>
+              <a:pPr algn="ctr"/>
+              <a:endParaRPr lang="en-US" altLang="ko-KR" sz="1100" b="1" spc="-100">
+                <a:latin typeface="+mn-ea"/>
+              </a:endParaRPr>
+            </a:p>
+            <a:p>
+              <a:pPr algn="ctr"/>
+              <a:endParaRPr lang="en-US" altLang="ko-KR" sz="1100" b="1" spc="-100">
+                <a:latin typeface="+mn-ea"/>
+              </a:endParaRPr>
+            </a:p>
+            <a:p>
+              <a:pPr algn="ctr"/>
+              <a:endParaRPr lang="en-US" altLang="ko-KR" sz="1100" b="1" spc="-100">
+                <a:latin typeface="+mn-ea"/>
+              </a:endParaRPr>
+            </a:p>
+            <a:p>
+              <a:pPr algn="ctr"/>
+              <a:endParaRPr lang="en-US" altLang="ko-KR" sz="1100" b="1" spc="-100">
+                <a:latin typeface="+mn-ea"/>
+              </a:endParaRPr>
+            </a:p>
+            <a:p>
+              <a:pPr algn="ctr"/>
+              <a:endParaRPr lang="en-US" altLang="ko-KR" sz="1100" b="1" spc="-100">
+                <a:latin typeface="+mn-ea"/>
+              </a:endParaRPr>
+            </a:p>
+          </p:txBody>
+        </p:sp>
+        <p:pic>
+          <p:nvPicPr>
+            <p:cNvPr id="23" name="그림 22" descr="그리기, 표지판이(가) 표시된 사진&#10;&#10;자동 생성된 설명">
+              <a:extLst>
+                <a:ext uri="{FF2B5EF4-FFF2-40B4-BE49-F238E27FC236}">
+                  <a16:creationId xmlns:a16="http://schemas.microsoft.com/office/drawing/2014/main" id="{08B4EA82-CEF5-46AB-A795-986B892B0F6F}"/>
+                </a:ext>
+              </a:extLst>
+            </p:cNvPr>
+            <p:cNvPicPr>
+              <a:picLocks noChangeAspect="1"/>
+            </p:cNvPicPr>
+            <p:nvPr/>
+          </p:nvPicPr>
+          <p:blipFill>
+            <a:blip r:embed="rId10" cstate="hqprint">
+              <a:extLst>
+                <a:ext uri="{28A0092B-C50C-407E-A947-70E740481C1C}">
+                  <a14:useLocalDpi xmlns:a14="http://schemas.microsoft.com/office/drawing/2010/main" val="0"/>
+                </a:ext>
+              </a:extLst>
+            </a:blip>
+            <a:stretch>
+              <a:fillRect/>
+            </a:stretch>
+          </p:blipFill>
+          <p:spPr>
+            <a:xfrm>
+              <a:off x="8975759" y="4139175"/>
+              <a:ext cx="1406243" cy="323658"/>
+            </a:xfrm>
+            <a:prstGeom prst="rect">
+              <a:avLst/>
+            </a:prstGeom>
+          </p:spPr>
+        </p:pic>
         <p:cxnSp>
           <p:nvCxnSpPr>
-            <p:cNvPr id="8" name="연결선: 꺾임 7">
+            <p:cNvPr id="42" name="직선 화살표 연결선 41">
               <a:extLst>
                 <a:ext uri="{FF2B5EF4-FFF2-40B4-BE49-F238E27FC236}">
-                  <a16:creationId xmlns:a16="http://schemas.microsoft.com/office/drawing/2014/main" id="{E0793845-F67B-45A2-9DAD-C64BAAF9A7BD}"/>
+                  <a16:creationId xmlns:a16="http://schemas.microsoft.com/office/drawing/2014/main" id="{203961FD-EC84-4117-A8A4-3F92EF171B60}"/>
                 </a:ext>
               </a:extLst>
             </p:cNvPr>
             <p:cNvCxnSpPr>
-              <a:stCxn id="34" idx="0"/>
+              <a:cxnSpLocks/>
             </p:cNvCxnSpPr>
             <p:nvPr/>
           </p:nvCxnSpPr>
           <p:spPr>
-            <a:xfrm rot="5400000" flipH="1" flipV="1">
-              <a:off x="5838879" y="1905125"/>
-              <a:ext cx="766993" cy="703120"/>
+            <a:xfrm flipV="1">
+              <a:off x="7453748" y="3838441"/>
+              <a:ext cx="925558" cy="4"/>
             </a:xfrm>
-            <a:prstGeom prst="bentConnector3">
+            <a:prstGeom prst="straightConnector1">
               <a:avLst/>
             </a:prstGeom>
-            <a:ln w="19050">
+            <a:ln>
               <a:solidFill>
                 <a:schemeClr val="tx1"/>
               </a:solidFill>
-              <a:prstDash val="dash"/>
               <a:tailEnd type="triangle"/>
             </a:ln>
           </p:spPr>
@@ -18205,124 +18112,6 @@
             </a:fontRef>
           </p:style>
         </p:cxnSp>
-        <p:sp>
-          <p:nvSpPr>
-            <p:cNvPr id="9" name="TextBox 8">
-              <a:extLst>
-                <a:ext uri="{FF2B5EF4-FFF2-40B4-BE49-F238E27FC236}">
-                  <a16:creationId xmlns:a16="http://schemas.microsoft.com/office/drawing/2014/main" id="{C9F668D6-CDCA-4556-8D91-D48DDB2464D0}"/>
-                </a:ext>
-              </a:extLst>
-            </p:cNvPr>
-            <p:cNvSpPr txBox="1"/>
-            <p:nvPr/>
-          </p:nvSpPr>
-          <p:spPr>
-            <a:xfrm>
-              <a:off x="5543330" y="1467525"/>
-              <a:ext cx="2061210" cy="430887"/>
-            </a:xfrm>
-            <a:prstGeom prst="rect">
-              <a:avLst/>
-            </a:prstGeom>
-            <a:noFill/>
-          </p:spPr>
-          <p:txBody>
-            <a:bodyPr wrap="square" rtlCol="0">
-              <a:spAutoFit/>
-            </a:bodyPr>
-            <a:lstStyle/>
-            <a:p>
-              <a:r>
-                <a:rPr lang="en-US" altLang="ko-KR" sz="1100">
-                  <a:solidFill>
-                    <a:srgbClr val="FF0000"/>
-                  </a:solidFill>
-                </a:rPr>
-                <a:t>ex) 2016</a:t>
-              </a:r>
-              <a:r>
-                <a:rPr lang="ko-KR" altLang="en-US" sz="1100">
-                  <a:solidFill>
-                    <a:srgbClr val="FF0000"/>
-                  </a:solidFill>
-                </a:rPr>
-                <a:t>년을 뜻하는 </a:t>
-              </a:r>
-              <a:r>
-                <a:rPr lang="en-US" altLang="ko-KR" sz="1100">
-                  <a:solidFill>
-                    <a:srgbClr val="FF0000"/>
-                  </a:solidFill>
-                </a:rPr>
-                <a:t>"</a:t>
-              </a:r>
-              <a:r>
-                <a:rPr lang="ko-KR" altLang="en-US" sz="1100">
-                  <a:solidFill>
-                    <a:srgbClr val="FF0000"/>
-                  </a:solidFill>
-                </a:rPr>
-                <a:t>병신년</a:t>
-              </a:r>
-              <a:r>
-                <a:rPr lang="en-US" altLang="ko-KR" sz="1100">
-                  <a:solidFill>
-                    <a:srgbClr val="FF0000"/>
-                  </a:solidFill>
-                </a:rPr>
-                <a:t>" </a:t>
-              </a:r>
-            </a:p>
-            <a:p>
-              <a:r>
-                <a:rPr lang="ko-KR" altLang="en-US" sz="1100">
-                  <a:solidFill>
-                    <a:srgbClr val="FF0000"/>
-                  </a:solidFill>
-                </a:rPr>
-                <a:t>시작점을 뜻하는 </a:t>
-              </a:r>
-              <a:r>
-                <a:rPr lang="en-US" altLang="ko-KR" sz="1100">
-                  <a:solidFill>
-                    <a:srgbClr val="FF0000"/>
-                  </a:solidFill>
-                </a:rPr>
-                <a:t>"</a:t>
-              </a:r>
-              <a:r>
-                <a:rPr lang="ko-KR" altLang="en-US" sz="1100">
-                  <a:solidFill>
-                    <a:srgbClr val="FF0000"/>
-                  </a:solidFill>
-                </a:rPr>
-                <a:t>시발점</a:t>
-              </a:r>
-              <a:r>
-                <a:rPr lang="en-US" altLang="ko-KR" sz="1100">
-                  <a:solidFill>
-                    <a:srgbClr val="FF0000"/>
-                  </a:solidFill>
-                </a:rPr>
-                <a:t>" </a:t>
-              </a:r>
-              <a:r>
-                <a:rPr lang="ko-KR" altLang="en-US" sz="1100">
-                  <a:solidFill>
-                    <a:srgbClr val="FF0000"/>
-                  </a:solidFill>
-                </a:rPr>
-                <a:t>등</a:t>
-              </a:r>
-              <a:endParaRPr lang="en-US" altLang="ko-KR" sz="1100">
-                <a:solidFill>
-                  <a:srgbClr val="FF0000"/>
-                </a:solidFill>
-              </a:endParaRPr>
-            </a:p>
-          </p:txBody>
-        </p:sp>
       </p:grpSp>
     </p:spTree>
     <p:extLst>
@@ -18456,7 +18245,7 @@
                                           </p:stCondLst>
                                         </p:cTn>
                                         <p:tgtEl>
-                                          <p:spTgt spid="10"/>
+                                          <p:spTgt spid="4"/>
                                         </p:tgtEl>
                                         <p:attrNameLst>
                                           <p:attrName>style.visibility</p:attrName>
@@ -18470,7 +18259,7 @@
                                       <p:cBhvr>
                                         <p:cTn id="15" dur="500"/>
                                         <p:tgtEl>
-                                          <p:spTgt spid="10"/>
+                                          <p:spTgt spid="4"/>
                                         </p:tgtEl>
                                       </p:cBhvr>
                                     </p:animEffect>
@@ -18544,7 +18333,7 @@
                                           </p:stCondLst>
                                         </p:cTn>
                                         <p:tgtEl>
-                                          <p:spTgt spid="4"/>
+                                          <p:spTgt spid="5"/>
                                         </p:tgtEl>
                                         <p:attrNameLst>
                                           <p:attrName>style.visibility</p:attrName>
@@ -18558,7 +18347,7 @@
                                       <p:cBhvr>
                                         <p:cTn id="23" dur="500"/>
                                         <p:tgtEl>
-                                          <p:spTgt spid="4"/>
+                                          <p:spTgt spid="5"/>
                                         </p:tgtEl>
                                       </p:cBhvr>
                                     </p:animEffect>
